--- a/Offline/BusinessManagement/Marketing/MarketingArtworks/Images&Resources/AnodiamMarketing.pptx
+++ b/Offline/BusinessManagement/Marketing/MarketingArtworks/Images&Resources/AnodiamMarketing.pptx
@@ -155,7 +155,7 @@
           </a:lstStyle>
           <a:p>
             <a:r>
-              <a:rPr lang="en-US" smtClean="0"/>
+              <a:rPr lang="en-US"/>
               <a:t>Click to edit Master title style</a:t>
             </a:r>
             <a:endParaRPr lang="en-US" dirty="0"/>
@@ -220,7 +220,7 @@
           </a:lstStyle>
           <a:p>
             <a:r>
-              <a:rPr lang="en-US" smtClean="0"/>
+              <a:rPr lang="en-US"/>
               <a:t>Click to edit Master subtitle style</a:t>
             </a:r>
             <a:endParaRPr lang="en-US" dirty="0"/>
@@ -244,7 +244,7 @@
           <a:p>
             <a:fld id="{CA6D4F87-9B9E-4A4F-B3AC-3968D7D2EB59}" type="datetimeFigureOut">
               <a:rPr lang="en-AU" smtClean="0"/>
-              <a:t>29/05/2023</a:t>
+              <a:t>12/10/2023</a:t>
             </a:fld>
             <a:endParaRPr lang="en-AU"/>
           </a:p>
@@ -338,7 +338,7 @@
           <a:lstStyle/>
           <a:p>
             <a:r>
-              <a:rPr lang="en-US" smtClean="0"/>
+              <a:rPr lang="en-US"/>
               <a:t>Click to edit Master title style</a:t>
             </a:r>
             <a:endParaRPr lang="en-US" dirty="0"/>
@@ -362,35 +362,35 @@
           <a:p>
             <a:pPr lvl="0"/>
             <a:r>
-              <a:rPr lang="en-US" smtClean="0"/>
+              <a:rPr lang="en-US"/>
               <a:t>Click to edit Master text styles</a:t>
             </a:r>
           </a:p>
           <a:p>
             <a:pPr lvl="1"/>
             <a:r>
-              <a:rPr lang="en-US" smtClean="0"/>
+              <a:rPr lang="en-US"/>
               <a:t>Second level</a:t>
             </a:r>
           </a:p>
           <a:p>
             <a:pPr lvl="2"/>
             <a:r>
-              <a:rPr lang="en-US" smtClean="0"/>
+              <a:rPr lang="en-US"/>
               <a:t>Third level</a:t>
             </a:r>
           </a:p>
           <a:p>
             <a:pPr lvl="3"/>
             <a:r>
-              <a:rPr lang="en-US" smtClean="0"/>
+              <a:rPr lang="en-US"/>
               <a:t>Fourth level</a:t>
             </a:r>
           </a:p>
           <a:p>
             <a:pPr lvl="4"/>
             <a:r>
-              <a:rPr lang="en-US" smtClean="0"/>
+              <a:rPr lang="en-US"/>
               <a:t>Fifth level</a:t>
             </a:r>
             <a:endParaRPr lang="en-US" dirty="0"/>
@@ -414,7 +414,7 @@
           <a:p>
             <a:fld id="{CA6D4F87-9B9E-4A4F-B3AC-3968D7D2EB59}" type="datetimeFigureOut">
               <a:rPr lang="en-AU" smtClean="0"/>
-              <a:t>29/05/2023</a:t>
+              <a:t>12/10/2023</a:t>
             </a:fld>
             <a:endParaRPr lang="en-AU"/>
           </a:p>
@@ -513,7 +513,7 @@
           <a:lstStyle/>
           <a:p>
             <a:r>
-              <a:rPr lang="en-US" smtClean="0"/>
+              <a:rPr lang="en-US"/>
               <a:t>Click to edit Master title style</a:t>
             </a:r>
             <a:endParaRPr lang="en-US" dirty="0"/>
@@ -542,35 +542,35 @@
           <a:p>
             <a:pPr lvl="0"/>
             <a:r>
-              <a:rPr lang="en-US" smtClean="0"/>
+              <a:rPr lang="en-US"/>
               <a:t>Click to edit Master text styles</a:t>
             </a:r>
           </a:p>
           <a:p>
             <a:pPr lvl="1"/>
             <a:r>
-              <a:rPr lang="en-US" smtClean="0"/>
+              <a:rPr lang="en-US"/>
               <a:t>Second level</a:t>
             </a:r>
           </a:p>
           <a:p>
             <a:pPr lvl="2"/>
             <a:r>
-              <a:rPr lang="en-US" smtClean="0"/>
+              <a:rPr lang="en-US"/>
               <a:t>Third level</a:t>
             </a:r>
           </a:p>
           <a:p>
             <a:pPr lvl="3"/>
             <a:r>
-              <a:rPr lang="en-US" smtClean="0"/>
+              <a:rPr lang="en-US"/>
               <a:t>Fourth level</a:t>
             </a:r>
           </a:p>
           <a:p>
             <a:pPr lvl="4"/>
             <a:r>
-              <a:rPr lang="en-US" smtClean="0"/>
+              <a:rPr lang="en-US"/>
               <a:t>Fifth level</a:t>
             </a:r>
             <a:endParaRPr lang="en-US" dirty="0"/>
@@ -594,7 +594,7 @@
           <a:p>
             <a:fld id="{CA6D4F87-9B9E-4A4F-B3AC-3968D7D2EB59}" type="datetimeFigureOut">
               <a:rPr lang="en-AU" smtClean="0"/>
-              <a:t>29/05/2023</a:t>
+              <a:t>12/10/2023</a:t>
             </a:fld>
             <a:endParaRPr lang="en-AU"/>
           </a:p>
@@ -688,7 +688,7 @@
           <a:lstStyle/>
           <a:p>
             <a:r>
-              <a:rPr lang="en-US" smtClean="0"/>
+              <a:rPr lang="en-US"/>
               <a:t>Click to edit Master title style</a:t>
             </a:r>
             <a:endParaRPr lang="en-US" dirty="0"/>
@@ -712,35 +712,35 @@
           <a:p>
             <a:pPr lvl="0"/>
             <a:r>
-              <a:rPr lang="en-US" smtClean="0"/>
+              <a:rPr lang="en-US"/>
               <a:t>Click to edit Master text styles</a:t>
             </a:r>
           </a:p>
           <a:p>
             <a:pPr lvl="1"/>
             <a:r>
-              <a:rPr lang="en-US" smtClean="0"/>
+              <a:rPr lang="en-US"/>
               <a:t>Second level</a:t>
             </a:r>
           </a:p>
           <a:p>
             <a:pPr lvl="2"/>
             <a:r>
-              <a:rPr lang="en-US" smtClean="0"/>
+              <a:rPr lang="en-US"/>
               <a:t>Third level</a:t>
             </a:r>
           </a:p>
           <a:p>
             <a:pPr lvl="3"/>
             <a:r>
-              <a:rPr lang="en-US" smtClean="0"/>
+              <a:rPr lang="en-US"/>
               <a:t>Fourth level</a:t>
             </a:r>
           </a:p>
           <a:p>
             <a:pPr lvl="4"/>
             <a:r>
-              <a:rPr lang="en-US" smtClean="0"/>
+              <a:rPr lang="en-US"/>
               <a:t>Fifth level</a:t>
             </a:r>
             <a:endParaRPr lang="en-US" dirty="0"/>
@@ -764,7 +764,7 @@
           <a:p>
             <a:fld id="{CA6D4F87-9B9E-4A4F-B3AC-3968D7D2EB59}" type="datetimeFigureOut">
               <a:rPr lang="en-AU" smtClean="0"/>
-              <a:t>29/05/2023</a:t>
+              <a:t>12/10/2023</a:t>
             </a:fld>
             <a:endParaRPr lang="en-AU"/>
           </a:p>
@@ -867,7 +867,7 @@
           </a:lstStyle>
           <a:p>
             <a:r>
-              <a:rPr lang="en-US" smtClean="0"/>
+              <a:rPr lang="en-US"/>
               <a:t>Click to edit Master title style</a:t>
             </a:r>
             <a:endParaRPr lang="en-US" dirty="0"/>
@@ -987,7 +987,7 @@
           <a:p>
             <a:pPr lvl="0"/>
             <a:r>
-              <a:rPr lang="en-US" smtClean="0"/>
+              <a:rPr lang="en-US"/>
               <a:t>Click to edit Master text styles</a:t>
             </a:r>
           </a:p>
@@ -1010,7 +1010,7 @@
           <a:p>
             <a:fld id="{CA6D4F87-9B9E-4A4F-B3AC-3968D7D2EB59}" type="datetimeFigureOut">
               <a:rPr lang="en-AU" smtClean="0"/>
-              <a:t>29/05/2023</a:t>
+              <a:t>12/10/2023</a:t>
             </a:fld>
             <a:endParaRPr lang="en-AU"/>
           </a:p>
@@ -1104,7 +1104,7 @@
           <a:lstStyle/>
           <a:p>
             <a:r>
-              <a:rPr lang="en-US" smtClean="0"/>
+              <a:rPr lang="en-US"/>
               <a:t>Click to edit Master title style</a:t>
             </a:r>
             <a:endParaRPr lang="en-US" dirty="0"/>
@@ -1133,35 +1133,35 @@
           <a:p>
             <a:pPr lvl="0"/>
             <a:r>
-              <a:rPr lang="en-US" smtClean="0"/>
+              <a:rPr lang="en-US"/>
               <a:t>Click to edit Master text styles</a:t>
             </a:r>
           </a:p>
           <a:p>
             <a:pPr lvl="1"/>
             <a:r>
-              <a:rPr lang="en-US" smtClean="0"/>
+              <a:rPr lang="en-US"/>
               <a:t>Second level</a:t>
             </a:r>
           </a:p>
           <a:p>
             <a:pPr lvl="2"/>
             <a:r>
-              <a:rPr lang="en-US" smtClean="0"/>
+              <a:rPr lang="en-US"/>
               <a:t>Third level</a:t>
             </a:r>
           </a:p>
           <a:p>
             <a:pPr lvl="3"/>
             <a:r>
-              <a:rPr lang="en-US" smtClean="0"/>
+              <a:rPr lang="en-US"/>
               <a:t>Fourth level</a:t>
             </a:r>
           </a:p>
           <a:p>
             <a:pPr lvl="4"/>
             <a:r>
-              <a:rPr lang="en-US" smtClean="0"/>
+              <a:rPr lang="en-US"/>
               <a:t>Fifth level</a:t>
             </a:r>
             <a:endParaRPr lang="en-US" dirty="0"/>
@@ -1190,35 +1190,35 @@
           <a:p>
             <a:pPr lvl="0"/>
             <a:r>
-              <a:rPr lang="en-US" smtClean="0"/>
+              <a:rPr lang="en-US"/>
               <a:t>Click to edit Master text styles</a:t>
             </a:r>
           </a:p>
           <a:p>
             <a:pPr lvl="1"/>
             <a:r>
-              <a:rPr lang="en-US" smtClean="0"/>
+              <a:rPr lang="en-US"/>
               <a:t>Second level</a:t>
             </a:r>
           </a:p>
           <a:p>
             <a:pPr lvl="2"/>
             <a:r>
-              <a:rPr lang="en-US" smtClean="0"/>
+              <a:rPr lang="en-US"/>
               <a:t>Third level</a:t>
             </a:r>
           </a:p>
           <a:p>
             <a:pPr lvl="3"/>
             <a:r>
-              <a:rPr lang="en-US" smtClean="0"/>
+              <a:rPr lang="en-US"/>
               <a:t>Fourth level</a:t>
             </a:r>
           </a:p>
           <a:p>
             <a:pPr lvl="4"/>
             <a:r>
-              <a:rPr lang="en-US" smtClean="0"/>
+              <a:rPr lang="en-US"/>
               <a:t>Fifth level</a:t>
             </a:r>
             <a:endParaRPr lang="en-US" dirty="0"/>
@@ -1242,7 +1242,7 @@
           <a:p>
             <a:fld id="{CA6D4F87-9B9E-4A4F-B3AC-3968D7D2EB59}" type="datetimeFigureOut">
               <a:rPr lang="en-AU" smtClean="0"/>
-              <a:t>29/05/2023</a:t>
+              <a:t>12/10/2023</a:t>
             </a:fld>
             <a:endParaRPr lang="en-AU"/>
           </a:p>
@@ -1341,7 +1341,7 @@
           <a:lstStyle/>
           <a:p>
             <a:r>
-              <a:rPr lang="en-US" smtClean="0"/>
+              <a:rPr lang="en-US"/>
               <a:t>Click to edit Master title style</a:t>
             </a:r>
             <a:endParaRPr lang="en-US" dirty="0"/>
@@ -1407,7 +1407,7 @@
           <a:p>
             <a:pPr lvl="0"/>
             <a:r>
-              <a:rPr lang="en-US" smtClean="0"/>
+              <a:rPr lang="en-US"/>
               <a:t>Click to edit Master text styles</a:t>
             </a:r>
           </a:p>
@@ -1435,35 +1435,35 @@
           <a:p>
             <a:pPr lvl="0"/>
             <a:r>
-              <a:rPr lang="en-US" smtClean="0"/>
+              <a:rPr lang="en-US"/>
               <a:t>Click to edit Master text styles</a:t>
             </a:r>
           </a:p>
           <a:p>
             <a:pPr lvl="1"/>
             <a:r>
-              <a:rPr lang="en-US" smtClean="0"/>
+              <a:rPr lang="en-US"/>
               <a:t>Second level</a:t>
             </a:r>
           </a:p>
           <a:p>
             <a:pPr lvl="2"/>
             <a:r>
-              <a:rPr lang="en-US" smtClean="0"/>
+              <a:rPr lang="en-US"/>
               <a:t>Third level</a:t>
             </a:r>
           </a:p>
           <a:p>
             <a:pPr lvl="3"/>
             <a:r>
-              <a:rPr lang="en-US" smtClean="0"/>
+              <a:rPr lang="en-US"/>
               <a:t>Fourth level</a:t>
             </a:r>
           </a:p>
           <a:p>
             <a:pPr lvl="4"/>
             <a:r>
-              <a:rPr lang="en-US" smtClean="0"/>
+              <a:rPr lang="en-US"/>
               <a:t>Fifth level</a:t>
             </a:r>
             <a:endParaRPr lang="en-US" dirty="0"/>
@@ -1529,7 +1529,7 @@
           <a:p>
             <a:pPr lvl="0"/>
             <a:r>
-              <a:rPr lang="en-US" smtClean="0"/>
+              <a:rPr lang="en-US"/>
               <a:t>Click to edit Master text styles</a:t>
             </a:r>
           </a:p>
@@ -1557,35 +1557,35 @@
           <a:p>
             <a:pPr lvl="0"/>
             <a:r>
-              <a:rPr lang="en-US" smtClean="0"/>
+              <a:rPr lang="en-US"/>
               <a:t>Click to edit Master text styles</a:t>
             </a:r>
           </a:p>
           <a:p>
             <a:pPr lvl="1"/>
             <a:r>
-              <a:rPr lang="en-US" smtClean="0"/>
+              <a:rPr lang="en-US"/>
               <a:t>Second level</a:t>
             </a:r>
           </a:p>
           <a:p>
             <a:pPr lvl="2"/>
             <a:r>
-              <a:rPr lang="en-US" smtClean="0"/>
+              <a:rPr lang="en-US"/>
               <a:t>Third level</a:t>
             </a:r>
           </a:p>
           <a:p>
             <a:pPr lvl="3"/>
             <a:r>
-              <a:rPr lang="en-US" smtClean="0"/>
+              <a:rPr lang="en-US"/>
               <a:t>Fourth level</a:t>
             </a:r>
           </a:p>
           <a:p>
             <a:pPr lvl="4"/>
             <a:r>
-              <a:rPr lang="en-US" smtClean="0"/>
+              <a:rPr lang="en-US"/>
               <a:t>Fifth level</a:t>
             </a:r>
             <a:endParaRPr lang="en-US" dirty="0"/>
@@ -1609,7 +1609,7 @@
           <a:p>
             <a:fld id="{CA6D4F87-9B9E-4A4F-B3AC-3968D7D2EB59}" type="datetimeFigureOut">
               <a:rPr lang="en-AU" smtClean="0"/>
-              <a:t>29/05/2023</a:t>
+              <a:t>12/10/2023</a:t>
             </a:fld>
             <a:endParaRPr lang="en-AU"/>
           </a:p>
@@ -1703,7 +1703,7 @@
           <a:lstStyle/>
           <a:p>
             <a:r>
-              <a:rPr lang="en-US" smtClean="0"/>
+              <a:rPr lang="en-US"/>
               <a:t>Click to edit Master title style</a:t>
             </a:r>
             <a:endParaRPr lang="en-US" dirty="0"/>
@@ -1727,7 +1727,7 @@
           <a:p>
             <a:fld id="{CA6D4F87-9B9E-4A4F-B3AC-3968D7D2EB59}" type="datetimeFigureOut">
               <a:rPr lang="en-AU" smtClean="0"/>
-              <a:t>29/05/2023</a:t>
+              <a:t>12/10/2023</a:t>
             </a:fld>
             <a:endParaRPr lang="en-AU"/>
           </a:p>
@@ -1822,7 +1822,7 @@
           <a:p>
             <a:fld id="{CA6D4F87-9B9E-4A4F-B3AC-3968D7D2EB59}" type="datetimeFigureOut">
               <a:rPr lang="en-AU" smtClean="0"/>
-              <a:t>29/05/2023</a:t>
+              <a:t>12/10/2023</a:t>
             </a:fld>
             <a:endParaRPr lang="en-AU"/>
           </a:p>
@@ -1925,7 +1925,7 @@
           </a:lstStyle>
           <a:p>
             <a:r>
-              <a:rPr lang="en-US" smtClean="0"/>
+              <a:rPr lang="en-US"/>
               <a:t>Click to edit Master title style</a:t>
             </a:r>
             <a:endParaRPr lang="en-US" dirty="0"/>
@@ -1982,35 +1982,35 @@
           <a:p>
             <a:pPr lvl="0"/>
             <a:r>
-              <a:rPr lang="en-US" smtClean="0"/>
+              <a:rPr lang="en-US"/>
               <a:t>Click to edit Master text styles</a:t>
             </a:r>
           </a:p>
           <a:p>
             <a:pPr lvl="1"/>
             <a:r>
-              <a:rPr lang="en-US" smtClean="0"/>
+              <a:rPr lang="en-US"/>
               <a:t>Second level</a:t>
             </a:r>
           </a:p>
           <a:p>
             <a:pPr lvl="2"/>
             <a:r>
-              <a:rPr lang="en-US" smtClean="0"/>
+              <a:rPr lang="en-US"/>
               <a:t>Third level</a:t>
             </a:r>
           </a:p>
           <a:p>
             <a:pPr lvl="3"/>
             <a:r>
-              <a:rPr lang="en-US" smtClean="0"/>
+              <a:rPr lang="en-US"/>
               <a:t>Fourth level</a:t>
             </a:r>
           </a:p>
           <a:p>
             <a:pPr lvl="4"/>
             <a:r>
-              <a:rPr lang="en-US" smtClean="0"/>
+              <a:rPr lang="en-US"/>
               <a:t>Fifth level</a:t>
             </a:r>
             <a:endParaRPr lang="en-US" dirty="0"/>
@@ -2076,7 +2076,7 @@
           <a:p>
             <a:pPr lvl="0"/>
             <a:r>
-              <a:rPr lang="en-US" smtClean="0"/>
+              <a:rPr lang="en-US"/>
               <a:t>Click to edit Master text styles</a:t>
             </a:r>
           </a:p>
@@ -2099,7 +2099,7 @@
           <a:p>
             <a:fld id="{CA6D4F87-9B9E-4A4F-B3AC-3968D7D2EB59}" type="datetimeFigureOut">
               <a:rPr lang="en-AU" smtClean="0"/>
-              <a:t>29/05/2023</a:t>
+              <a:t>12/10/2023</a:t>
             </a:fld>
             <a:endParaRPr lang="en-AU"/>
           </a:p>
@@ -2202,7 +2202,7 @@
           </a:lstStyle>
           <a:p>
             <a:r>
-              <a:rPr lang="en-US" smtClean="0"/>
+              <a:rPr lang="en-US"/>
               <a:t>Click to edit Master title style</a:t>
             </a:r>
             <a:endParaRPr lang="en-US" dirty="0"/>
@@ -2267,7 +2267,7 @@
           </a:lstStyle>
           <a:p>
             <a:r>
-              <a:rPr lang="en-US" smtClean="0"/>
+              <a:rPr lang="en-US"/>
               <a:t>Click icon to add picture</a:t>
             </a:r>
             <a:endParaRPr lang="en-US" dirty="0"/>
@@ -2333,7 +2333,7 @@
           <a:p>
             <a:pPr lvl="0"/>
             <a:r>
-              <a:rPr lang="en-US" smtClean="0"/>
+              <a:rPr lang="en-US"/>
               <a:t>Click to edit Master text styles</a:t>
             </a:r>
           </a:p>
@@ -2356,7 +2356,7 @@
           <a:p>
             <a:fld id="{CA6D4F87-9B9E-4A4F-B3AC-3968D7D2EB59}" type="datetimeFigureOut">
               <a:rPr lang="en-AU" smtClean="0"/>
-              <a:t>29/05/2023</a:t>
+              <a:t>12/10/2023</a:t>
             </a:fld>
             <a:endParaRPr lang="en-AU"/>
           </a:p>
@@ -2465,7 +2465,7 @@
           <a:lstStyle/>
           <a:p>
             <a:r>
-              <a:rPr lang="en-US" smtClean="0"/>
+              <a:rPr lang="en-US"/>
               <a:t>Click to edit Master title style</a:t>
             </a:r>
             <a:endParaRPr lang="en-US" dirty="0"/>
@@ -2499,35 +2499,35 @@
           <a:p>
             <a:pPr lvl="0"/>
             <a:r>
-              <a:rPr lang="en-US" smtClean="0"/>
+              <a:rPr lang="en-US"/>
               <a:t>Click to edit Master text styles</a:t>
             </a:r>
           </a:p>
           <a:p>
             <a:pPr lvl="1"/>
             <a:r>
-              <a:rPr lang="en-US" smtClean="0"/>
+              <a:rPr lang="en-US"/>
               <a:t>Second level</a:t>
             </a:r>
           </a:p>
           <a:p>
             <a:pPr lvl="2"/>
             <a:r>
-              <a:rPr lang="en-US" smtClean="0"/>
+              <a:rPr lang="en-US"/>
               <a:t>Third level</a:t>
             </a:r>
           </a:p>
           <a:p>
             <a:pPr lvl="3"/>
             <a:r>
-              <a:rPr lang="en-US" smtClean="0"/>
+              <a:rPr lang="en-US"/>
               <a:t>Fourth level</a:t>
             </a:r>
           </a:p>
           <a:p>
             <a:pPr lvl="4"/>
             <a:r>
-              <a:rPr lang="en-US" smtClean="0"/>
+              <a:rPr lang="en-US"/>
               <a:t>Fifth level</a:t>
             </a:r>
             <a:endParaRPr lang="en-US" dirty="0"/>
@@ -2569,7 +2569,7 @@
           <a:p>
             <a:fld id="{CA6D4F87-9B9E-4A4F-B3AC-3968D7D2EB59}" type="datetimeFigureOut">
               <a:rPr lang="en-AU" smtClean="0"/>
-              <a:t>29/05/2023</a:t>
+              <a:t>12/10/2023</a:t>
             </a:fld>
             <a:endParaRPr lang="en-AU"/>
           </a:p>
@@ -3043,13 +3043,13 @@
           <a:lstStyle/>
           <a:p>
             <a:r>
-              <a:rPr lang="en-AU" sz="2793" b="1" u="sng" dirty="0" err="1" smtClean="0">
+              <a:rPr lang="en-AU" sz="2793" b="1" u="sng" dirty="0" err="1">
                 <a:latin typeface="Oxygen" panose="02000503000000000000" pitchFamily="2" charset="0"/>
               </a:rPr>
               <a:t>Justdial</a:t>
             </a:r>
             <a:r>
-              <a:rPr lang="en-AU" sz="2793" b="1" u="sng" dirty="0" smtClean="0">
+              <a:rPr lang="en-AU" sz="2793" b="1" u="sng" dirty="0">
                 <a:latin typeface="Oxygen" panose="02000503000000000000" pitchFamily="2" charset="0"/>
               </a:rPr>
               <a:t> Banner </a:t>
@@ -3336,7 +3336,7 @@
             <a:p>
               <a:pPr algn="ctr"/>
               <a:r>
-                <a:rPr lang="en-US" sz="4000" b="1" dirty="0" smtClean="0">
+                <a:rPr lang="en-US" sz="4000" b="1" dirty="0">
                   <a:solidFill>
                     <a:schemeClr val="bg1"/>
                   </a:solidFill>
@@ -3344,7 +3344,7 @@
                 </a:rPr>
                 <a:t>50%</a:t>
               </a:r>
-              <a:endParaRPr lang="en-US" sz="2400" b="1" dirty="0" smtClean="0">
+              <a:endParaRPr lang="en-US" sz="2400" b="1" dirty="0">
                 <a:solidFill>
                   <a:schemeClr val="bg1"/>
                 </a:solidFill>
@@ -3377,7 +3377,7 @@
             <a:p>
               <a:pPr algn="ctr"/>
               <a:r>
-                <a:rPr lang="en-US" sz="1600" b="1" dirty="0" smtClean="0">
+                <a:rPr lang="en-US" sz="1600" b="1" dirty="0">
                   <a:solidFill>
                     <a:schemeClr val="bg1"/>
                   </a:solidFill>
@@ -3385,7 +3385,7 @@
                 </a:rPr>
                 <a:t>OFF</a:t>
               </a:r>
-              <a:endParaRPr lang="en-US" sz="1050" b="1" dirty="0" smtClean="0">
+              <a:endParaRPr lang="en-US" sz="1050" b="1" dirty="0">
                 <a:solidFill>
                   <a:schemeClr val="bg1"/>
                 </a:solidFill>
@@ -3418,7 +3418,7 @@
             <a:p>
               <a:pPr algn="ctr"/>
               <a:r>
-                <a:rPr lang="en-US" sz="1100" b="1" dirty="0" smtClean="0">
+                <a:rPr lang="en-US" sz="1100" b="1" dirty="0">
                   <a:solidFill>
                     <a:schemeClr val="bg1"/>
                   </a:solidFill>
@@ -3452,7 +3452,7 @@
             <a:lstStyle/>
             <a:p>
               <a:r>
-                <a:rPr lang="en-US" sz="900" b="1" dirty="0" smtClean="0">
+                <a:rPr lang="en-US" sz="900" b="1" dirty="0">
                   <a:solidFill>
                     <a:schemeClr val="bg1"/>
                   </a:solidFill>
@@ -3623,7 +3623,7 @@
               <a:lstStyle/>
               <a:p>
                 <a:r>
-                  <a:rPr lang="en-US" sz="4400" b="1" dirty="0" smtClean="0">
+                  <a:rPr lang="en-US" sz="4400" b="1" dirty="0">
                     <a:solidFill>
                       <a:schemeClr val="bg1"/>
                     </a:solidFill>
@@ -3657,7 +3657,7 @@
               <a:lstStyle/>
               <a:p>
                 <a:r>
-                  <a:rPr lang="en-US" sz="1600" b="1" i="1" dirty="0" smtClean="0">
+                  <a:rPr lang="en-US" sz="1600" b="1" i="1" dirty="0">
                     <a:solidFill>
                       <a:schemeClr val="bg1"/>
                     </a:solidFill>
@@ -4198,7 +4198,7 @@
               </a:lnSpc>
             </a:pPr>
             <a:r>
-              <a:rPr lang="en-US" b="1" dirty="0" smtClean="0">
+              <a:rPr lang="en-US" b="1" dirty="0">
                 <a:solidFill>
                   <a:schemeClr val="bg1"/>
                 </a:solidFill>
@@ -4214,7 +4214,7 @@
               </a:lnSpc>
             </a:pPr>
             <a:r>
-              <a:rPr lang="en-US" b="1" dirty="0" smtClean="0">
+              <a:rPr lang="en-US" b="1" dirty="0">
                 <a:solidFill>
                   <a:schemeClr val="bg1"/>
                 </a:solidFill>
@@ -4281,7 +4281,7 @@
           <p:cNvPr id="37" name="Freeform: Shape 16">
             <a:extLst>
               <a:ext uri="{FF2B5EF4-FFF2-40B4-BE49-F238E27FC236}">
-                <a16:creationId xmlns="" xmlns:a16="http://schemas.microsoft.com/office/drawing/2014/main" id="{AFF9FF99-0A06-41A7-BC2C-5003B49B20A1}"/>
+                <a16:creationId xmlns:a16="http://schemas.microsoft.com/office/drawing/2014/main" id="{AFF9FF99-0A06-41A7-BC2C-5003B49B20A1}"/>
               </a:ext>
             </a:extLst>
           </p:cNvPr>
@@ -4459,7 +4459,7 @@
           <p:cNvPr id="38" name="Isosceles Triangle 37">
             <a:extLst>
               <a:ext uri="{FF2B5EF4-FFF2-40B4-BE49-F238E27FC236}">
-                <a16:creationId xmlns="" xmlns:a16="http://schemas.microsoft.com/office/drawing/2014/main" id="{30DE4366-3134-4E79-AD07-B89C53ABF78F}"/>
+                <a16:creationId xmlns:a16="http://schemas.microsoft.com/office/drawing/2014/main" id="{30DE4366-3134-4E79-AD07-B89C53ABF78F}"/>
               </a:ext>
             </a:extLst>
           </p:cNvPr>
@@ -4511,7 +4511,7 @@
           <p:cNvPr id="39" name="Isosceles Triangle 38">
             <a:extLst>
               <a:ext uri="{FF2B5EF4-FFF2-40B4-BE49-F238E27FC236}">
-                <a16:creationId xmlns="" xmlns:a16="http://schemas.microsoft.com/office/drawing/2014/main" id="{98AD1FB3-B4A2-47EF-AEBA-9BB3D41DBFE9}"/>
+                <a16:creationId xmlns:a16="http://schemas.microsoft.com/office/drawing/2014/main" id="{98AD1FB3-B4A2-47EF-AEBA-9BB3D41DBFE9}"/>
               </a:ext>
             </a:extLst>
           </p:cNvPr>
@@ -4563,7 +4563,7 @@
           <p:cNvPr id="40" name="TextBox 39">
             <a:extLst>
               <a:ext uri="{FF2B5EF4-FFF2-40B4-BE49-F238E27FC236}">
-                <a16:creationId xmlns="" xmlns:a16="http://schemas.microsoft.com/office/drawing/2014/main" id="{F357C0F4-92A3-4AE9-8FC3-DEADDEB99F27}"/>
+                <a16:creationId xmlns:a16="http://schemas.microsoft.com/office/drawing/2014/main" id="{F357C0F4-92A3-4AE9-8FC3-DEADDEB99F27}"/>
               </a:ext>
             </a:extLst>
           </p:cNvPr>
@@ -4609,7 +4609,7 @@
           <p:cNvPr id="41" name="Freeform: Shape 20">
             <a:extLst>
               <a:ext uri="{FF2B5EF4-FFF2-40B4-BE49-F238E27FC236}">
-                <a16:creationId xmlns="" xmlns:a16="http://schemas.microsoft.com/office/drawing/2014/main" id="{44090025-7000-4D7D-A74F-0D5873C3CE90}"/>
+                <a16:creationId xmlns:a16="http://schemas.microsoft.com/office/drawing/2014/main" id="{44090025-7000-4D7D-A74F-0D5873C3CE90}"/>
               </a:ext>
             </a:extLst>
           </p:cNvPr>
@@ -4731,7 +4731,7 @@
           <p:cNvPr id="43" name="Picture 42">
             <a:extLst>
               <a:ext uri="{FF2B5EF4-FFF2-40B4-BE49-F238E27FC236}">
-                <a16:creationId xmlns="" xmlns:a16="http://schemas.microsoft.com/office/drawing/2014/main" id="{DF666D98-6E40-4127-BB7F-A63B9E925409}"/>
+                <a16:creationId xmlns:a16="http://schemas.microsoft.com/office/drawing/2014/main" id="{DF666D98-6E40-4127-BB7F-A63B9E925409}"/>
               </a:ext>
             </a:extLst>
           </p:cNvPr>
@@ -4784,31 +4784,13 @@
               </a:lnSpc>
             </a:pPr>
             <a:r>
-              <a:rPr lang="en-US" sz="1400" b="1" dirty="0" smtClean="0">
-                <a:solidFill>
-                  <a:srgbClr val="FF0000"/>
-                </a:solidFill>
-                <a:latin typeface="Oxygen" panose="02000503000000000000" pitchFamily="2" charset="0"/>
-              </a:rPr>
-              <a:t>Largest Coaching </a:t>
-            </a:r>
-            <a:r>
               <a:rPr lang="en-US" sz="1400" b="1" dirty="0">
                 <a:solidFill>
                   <a:srgbClr val="FF0000"/>
                 </a:solidFill>
                 <a:latin typeface="Oxygen" panose="02000503000000000000" pitchFamily="2" charset="0"/>
               </a:rPr>
-              <a:t>C</a:t>
-            </a:r>
-            <a:r>
-              <a:rPr lang="en-US" sz="1400" b="1" dirty="0" smtClean="0">
-                <a:solidFill>
-                  <a:srgbClr val="FF0000"/>
-                </a:solidFill>
-                <a:latin typeface="Oxygen" panose="02000503000000000000" pitchFamily="2" charset="0"/>
-              </a:rPr>
-              <a:t>enter in Kolkata </a:t>
+              <a:t>Largest Coaching Center in Kolkata </a:t>
             </a:r>
           </a:p>
           <a:p>
@@ -4816,7 +4798,7 @@
               <a:buFont typeface="Arial" panose="020B0604020202020204" pitchFamily="34" charset="0"/>
               <a:buChar char="•"/>
             </a:pPr>
-            <a:endParaRPr lang="en-US" sz="400" dirty="0" smtClean="0">
+            <a:endParaRPr lang="en-US" sz="400" dirty="0">
               <a:solidFill>
                 <a:srgbClr val="FF0000"/>
               </a:solidFill>
@@ -4829,7 +4811,7 @@
               <a:buChar char="•"/>
             </a:pPr>
             <a:r>
-              <a:rPr lang="en-US" sz="1000" dirty="0" smtClean="0">
+              <a:rPr lang="en-US" sz="1000" dirty="0">
                 <a:solidFill>
                   <a:srgbClr val="FF0000"/>
                 </a:solidFill>
@@ -4838,34 +4820,16 @@
               <a:t>Best Teachers, </a:t>
             </a:r>
             <a:r>
-              <a:rPr lang="en-AU" sz="1000" dirty="0" smtClean="0">
-                <a:solidFill>
-                  <a:srgbClr val="FF0000"/>
-                </a:solidFill>
-                <a:latin typeface="Oxygen" panose="02000503000000000000" pitchFamily="2" charset="0"/>
-              </a:rPr>
-              <a:t>VI </a:t>
-            </a:r>
-            <a:r>
               <a:rPr lang="en-AU" sz="1000" dirty="0">
                 <a:solidFill>
                   <a:srgbClr val="FF0000"/>
                 </a:solidFill>
                 <a:latin typeface="Oxygen" panose="02000503000000000000" pitchFamily="2" charset="0"/>
               </a:rPr>
-              <a:t>to </a:t>
-            </a:r>
-            <a:r>
-              <a:rPr lang="en-AU" sz="1000" dirty="0" smtClean="0">
-                <a:solidFill>
-                  <a:srgbClr val="FF0000"/>
-                </a:solidFill>
-                <a:latin typeface="Oxygen" panose="02000503000000000000" pitchFamily="2" charset="0"/>
-              </a:rPr>
-              <a:t>XII, All Subjects, Boards</a:t>
-            </a:r>
-            <a:r>
-              <a:rPr lang="en-US" sz="1000" dirty="0" smtClean="0">
+              <a:t>VI to XII, All Subjects, Boards</a:t>
+            </a:r>
+            <a:r>
+              <a:rPr lang="en-US" sz="1000" dirty="0">
                 <a:solidFill>
                   <a:srgbClr val="FF0000"/>
                 </a:solidFill>
@@ -4886,16 +4850,7 @@
                 </a:solidFill>
                 <a:latin typeface="Oxygen" panose="02000503000000000000" pitchFamily="2" charset="0"/>
               </a:rPr>
-              <a:t>Australian management, Edtech App by </a:t>
-            </a:r>
-            <a:r>
-              <a:rPr lang="en-US" sz="1000" dirty="0" smtClean="0">
-                <a:solidFill>
-                  <a:srgbClr val="FF0000"/>
-                </a:solidFill>
-                <a:latin typeface="Oxygen" panose="02000503000000000000" pitchFamily="2" charset="0"/>
-              </a:rPr>
-              <a:t>2024</a:t>
+              <a:t>Australian management, Edtech App by 2024</a:t>
             </a:r>
           </a:p>
           <a:p>
@@ -4910,16 +4865,7 @@
                 </a:solidFill>
                 <a:latin typeface="Oxygen" panose="02000503000000000000" pitchFamily="2" charset="0"/>
               </a:rPr>
-              <a:t>Wonderful </a:t>
-            </a:r>
-            <a:r>
-              <a:rPr lang="en-US" sz="1000" dirty="0" smtClean="0">
-                <a:solidFill>
-                  <a:srgbClr val="FF0000"/>
-                </a:solidFill>
-                <a:latin typeface="Oxygen" panose="02000503000000000000" pitchFamily="2" charset="0"/>
-              </a:rPr>
-              <a:t>location, AC, Smart Classrooms</a:t>
+              <a:t>Wonderful location, AC, Smart Classrooms</a:t>
             </a:r>
             <a:endParaRPr lang="en-US" sz="1100" b="1" dirty="0">
               <a:latin typeface="Oxygen" panose="02000503000000000000" pitchFamily="2" charset="0"/>
@@ -4955,18 +4901,9 @@
                 </a:solidFill>
                 <a:latin typeface="Oxygen" panose="02000503000000000000" pitchFamily="2" charset="0"/>
               </a:rPr>
-              <a:t>, Java, Python, Java Script, Cloud, Agile, </a:t>
-            </a:r>
-            <a:r>
-              <a:rPr lang="en-US" sz="1000" dirty="0" smtClean="0">
-                <a:solidFill>
-                  <a:srgbClr val="FF0000"/>
-                </a:solidFill>
-                <a:latin typeface="Oxygen" panose="02000503000000000000" pitchFamily="2" charset="0"/>
-              </a:rPr>
-              <a:t>AI</a:t>
-            </a:r>
-            <a:endParaRPr lang="en-US" sz="1100" b="1" dirty="0" smtClean="0">
+              <a:t>, Java, Python, Java Script, Cloud, Agile, AI</a:t>
+            </a:r>
+            <a:endParaRPr lang="en-US" sz="1100" b="1" dirty="0">
               <a:latin typeface="Oxygen" panose="02000503000000000000" pitchFamily="2" charset="0"/>
             </a:endParaRPr>
           </a:p>
@@ -5025,26 +4962,94 @@
               <a:rPr lang="en-US" b="1" dirty="0">
                 <a:latin typeface="Oxygen" panose="02000503000000000000" pitchFamily="2" charset="0"/>
               </a:rPr>
-              <a:t>Phone </a:t>
-            </a:r>
-            <a:r>
-              <a:rPr lang="en-US" b="1" dirty="0" smtClean="0">
-                <a:latin typeface="Oxygen" panose="02000503000000000000" pitchFamily="2" charset="0"/>
-              </a:rPr>
-              <a:t>#</a:t>
+              <a:t>Phone #</a:t>
             </a:r>
           </a:p>
           <a:p>
             <a:pPr algn="ctr"/>
             <a:r>
-              <a:rPr lang="en-US" b="1" dirty="0" smtClean="0">
+              <a:rPr lang="en-US" b="1" dirty="0">
                 <a:latin typeface="Oxygen" panose="02000503000000000000" pitchFamily="2" charset="0"/>
               </a:rPr>
               <a:t>Best Teachers Best Facilities, Location</a:t>
             </a:r>
-            <a:endParaRPr lang="en-US" b="1" dirty="0">
-              <a:latin typeface="Oxygen" panose="02000503000000000000" pitchFamily="2" charset="0"/>
+          </a:p>
+        </p:txBody>
+      </p:sp>
+      <p:sp>
+        <p:nvSpPr>
+          <p:cNvPr id="2" name="Rectangle: Rounded Corners 1">
+            <a:extLst>
+              <a:ext uri="{FF2B5EF4-FFF2-40B4-BE49-F238E27FC236}">
+                <a16:creationId xmlns:a16="http://schemas.microsoft.com/office/drawing/2014/main" id="{905CE876-4538-0893-0062-2E4AE8BC39F5}"/>
+              </a:ext>
+            </a:extLst>
+          </p:cNvPr>
+          <p:cNvSpPr/>
+          <p:nvPr/>
+        </p:nvSpPr>
+        <p:spPr>
+          <a:xfrm>
+            <a:off x="700215" y="3521033"/>
+            <a:ext cx="1974421" cy="1764747"/>
+          </a:xfrm>
+          <a:prstGeom prst="roundRect">
+            <a:avLst/>
+          </a:prstGeom>
+          <a:ln w="38100">
+            <a:solidFill>
+              <a:schemeClr val="accent5">
+                <a:lumMod val="75000"/>
+              </a:schemeClr>
+            </a:solidFill>
+          </a:ln>
+        </p:spPr>
+        <p:style>
+          <a:lnRef idx="2">
+            <a:schemeClr val="accent6"/>
+          </a:lnRef>
+          <a:fillRef idx="1">
+            <a:schemeClr val="lt1"/>
+          </a:fillRef>
+          <a:effectRef idx="0">
+            <a:schemeClr val="accent6"/>
+          </a:effectRef>
+          <a:fontRef idx="minor">
+            <a:schemeClr val="dk1"/>
+          </a:fontRef>
+        </p:style>
+        <p:txBody>
+          <a:bodyPr rtlCol="0" anchor="ctr"/>
+          <a:lstStyle/>
+          <a:p>
+            <a:pPr algn="ctr"/>
+            <a:r>
+              <a:rPr lang="en-US" sz="4400" b="1" dirty="0">
+                <a:latin typeface="Arial Black" panose="020B0A04020102020204" pitchFamily="34" charset="0"/>
+              </a:rPr>
+              <a:t>FREE</a:t>
+            </a:r>
+            <a:endParaRPr lang="en-US" sz="3600" b="1" dirty="0">
+              <a:latin typeface="Arial Black" panose="020B0A04020102020204" pitchFamily="34" charset="0"/>
             </a:endParaRPr>
+          </a:p>
+          <a:p>
+            <a:pPr algn="ctr"/>
+            <a:r>
+              <a:rPr lang="en-US" sz="3600" b="1" dirty="0">
+                <a:latin typeface="Arial Black" panose="020B0A04020102020204" pitchFamily="34" charset="0"/>
+              </a:rPr>
+              <a:t>MOCK</a:t>
+            </a:r>
+          </a:p>
+          <a:p>
+            <a:pPr algn="ctr"/>
+            <a:r>
+              <a:rPr lang="en-US" sz="4100" b="1" dirty="0">
+                <a:latin typeface="Arial Black" panose="020B0A04020102020204" pitchFamily="34" charset="0"/>
+              </a:rPr>
+              <a:t>TEST</a:t>
+            </a:r>
           </a:p>
         </p:txBody>
       </p:sp>
@@ -5058,13 +5063,6 @@
   <p:clrMapOvr>
     <a:masterClrMapping/>
   </p:clrMapOvr>
-  <p:timing>
-    <p:tnLst>
-      <p:par>
-        <p:cTn id="1" dur="indefinite" restart="never" nodeType="tmRoot"/>
-      </p:par>
-    </p:tnLst>
-  </p:timing>
 </p:sld>
 </file>
 
@@ -5154,13 +5152,13 @@
           <a:lstStyle/>
           <a:p>
             <a:r>
-              <a:rPr lang="en-AU" sz="2793" b="1" u="sng" dirty="0" err="1" smtClean="0">
+              <a:rPr lang="en-AU" sz="2793" b="1" u="sng" dirty="0" err="1">
                 <a:latin typeface="Oxygen" panose="02000503000000000000" pitchFamily="2" charset="0"/>
               </a:rPr>
               <a:t>Justdial</a:t>
             </a:r>
             <a:r>
-              <a:rPr lang="en-AU" sz="2793" b="1" u="sng" dirty="0" smtClean="0">
+              <a:rPr lang="en-AU" sz="2793" b="1" u="sng" dirty="0">
                 <a:latin typeface="Oxygen" panose="02000503000000000000" pitchFamily="2" charset="0"/>
               </a:rPr>
               <a:t> Banner </a:t>
@@ -5447,7 +5445,7 @@
             <a:p>
               <a:pPr algn="ctr"/>
               <a:r>
-                <a:rPr lang="en-US" sz="3200" b="1" dirty="0" smtClean="0">
+                <a:rPr lang="en-US" sz="3200" b="1" dirty="0">
                   <a:solidFill>
                     <a:schemeClr val="bg1"/>
                   </a:solidFill>
@@ -5455,7 +5453,7 @@
                 </a:rPr>
                 <a:t>50%</a:t>
               </a:r>
-              <a:endParaRPr lang="en-US" b="1" dirty="0" smtClean="0">
+              <a:endParaRPr lang="en-US" b="1" dirty="0">
                 <a:solidFill>
                   <a:schemeClr val="bg1"/>
                 </a:solidFill>
@@ -5488,7 +5486,7 @@
             <a:p>
               <a:pPr algn="ctr"/>
               <a:r>
-                <a:rPr lang="en-US" sz="1200" b="1" dirty="0" smtClean="0">
+                <a:rPr lang="en-US" sz="1200" b="1" dirty="0">
                   <a:solidFill>
                     <a:schemeClr val="bg1"/>
                   </a:solidFill>
@@ -5496,7 +5494,7 @@
                 </a:rPr>
                 <a:t>OFF</a:t>
               </a:r>
-              <a:endParaRPr lang="en-US" sz="900" b="1" dirty="0" smtClean="0">
+              <a:endParaRPr lang="en-US" sz="900" b="1" dirty="0">
                 <a:solidFill>
                   <a:schemeClr val="bg1"/>
                 </a:solidFill>
@@ -5535,16 +5533,7 @@
                   </a:solidFill>
                   <a:latin typeface="Oxygen" panose="02000503000000000000" pitchFamily="2" charset="0"/>
                 </a:rPr>
-                <a:t>F</a:t>
-              </a:r>
-              <a:r>
-                <a:rPr lang="en-US" sz="1000" b="1" dirty="0" smtClean="0">
-                  <a:solidFill>
-                    <a:schemeClr val="bg1"/>
-                  </a:solidFill>
-                  <a:latin typeface="Oxygen" panose="02000503000000000000" pitchFamily="2" charset="0"/>
-                </a:rPr>
-                <a:t>irst 3 months</a:t>
+                <a:t>First 3 months</a:t>
               </a:r>
             </a:p>
           </p:txBody>
@@ -5572,7 +5561,7 @@
             <a:lstStyle/>
             <a:p>
               <a:r>
-                <a:rPr lang="en-US" sz="900" b="1" dirty="0" smtClean="0">
+                <a:rPr lang="en-US" sz="900" b="1" dirty="0">
                   <a:solidFill>
                     <a:schemeClr val="bg1"/>
                   </a:solidFill>
@@ -5697,7 +5686,7 @@
               <a:lstStyle/>
               <a:p>
                 <a:r>
-                  <a:rPr lang="en-US" sz="2800" b="1" dirty="0" smtClean="0">
+                  <a:rPr lang="en-US" sz="2800" b="1" dirty="0">
                     <a:solidFill>
                       <a:schemeClr val="bg1"/>
                     </a:solidFill>
@@ -5732,7 +5721,7 @@
               <a:p>
                 <a:pPr algn="ctr"/>
                 <a:r>
-                  <a:rPr lang="en-US" sz="1100" b="1" i="1" dirty="0" smtClean="0">
+                  <a:rPr lang="en-US" sz="1100" b="1" i="1" dirty="0">
                     <a:solidFill>
                       <a:schemeClr val="bg1"/>
                     </a:solidFill>
@@ -6227,7 +6216,7 @@
               </a:lnSpc>
             </a:pPr>
             <a:r>
-              <a:rPr lang="en-US" sz="1600" b="1" dirty="0" smtClean="0">
+              <a:rPr lang="en-US" sz="1600" b="1" dirty="0">
                 <a:solidFill>
                   <a:schemeClr val="bg1"/>
                 </a:solidFill>
@@ -6243,7 +6232,7 @@
               </a:lnSpc>
             </a:pPr>
             <a:r>
-              <a:rPr lang="en-US" sz="1600" b="1" dirty="0" smtClean="0">
+              <a:rPr lang="en-US" sz="1600" b="1" dirty="0">
                 <a:solidFill>
                   <a:schemeClr val="bg1"/>
                 </a:solidFill>
@@ -6288,34 +6277,16 @@
               </a:lnSpc>
             </a:pPr>
             <a:r>
-              <a:rPr lang="en-AU" sz="1000" b="1" dirty="0" smtClean="0">
-                <a:solidFill>
-                  <a:srgbClr val="FF0000"/>
-                </a:solidFill>
-                <a:latin typeface="Oxygen" panose="02000503000000000000" pitchFamily="2" charset="0"/>
-              </a:rPr>
-              <a:t>VI </a:t>
-            </a:r>
-            <a:r>
               <a:rPr lang="en-AU" sz="1000" b="1" dirty="0">
                 <a:solidFill>
                   <a:srgbClr val="FF0000"/>
                 </a:solidFill>
                 <a:latin typeface="Oxygen" panose="02000503000000000000" pitchFamily="2" charset="0"/>
               </a:rPr>
-              <a:t>to </a:t>
-            </a:r>
-            <a:r>
-              <a:rPr lang="en-AU" sz="1000" b="1" dirty="0" smtClean="0">
-                <a:solidFill>
-                  <a:srgbClr val="FF0000"/>
-                </a:solidFill>
-                <a:latin typeface="Oxygen" panose="02000503000000000000" pitchFamily="2" charset="0"/>
-              </a:rPr>
-              <a:t>XII, All Subjects, All Boards</a:t>
-            </a:r>
-            <a:r>
-              <a:rPr lang="en-US" sz="1000" b="1" dirty="0" smtClean="0">
+              <a:t>VI to XII, All Subjects, All Boards</a:t>
+            </a:r>
+            <a:r>
+              <a:rPr lang="en-US" sz="1000" b="1" dirty="0">
                 <a:solidFill>
                   <a:srgbClr val="FF0000"/>
                 </a:solidFill>
@@ -6331,32 +6302,24 @@
               </a:lnSpc>
             </a:pPr>
             <a:r>
-              <a:rPr lang="en-US" sz="1000" b="1" dirty="0" smtClean="0">
-                <a:solidFill>
-                  <a:srgbClr val="FF0000"/>
-                </a:solidFill>
-                <a:latin typeface="Oxygen" panose="02000503000000000000" pitchFamily="2" charset="0"/>
-              </a:rPr>
-              <a:t>Best </a:t>
-            </a:r>
-            <a:r>
               <a:rPr lang="en-US" sz="1000" b="1" dirty="0">
                 <a:solidFill>
                   <a:srgbClr val="FF0000"/>
                 </a:solidFill>
                 <a:latin typeface="Oxygen" panose="02000503000000000000" pitchFamily="2" charset="0"/>
               </a:rPr>
-              <a:t>Teachers, </a:t>
-            </a:r>
-            <a:r>
-              <a:rPr lang="en-US" sz="1000" b="1" dirty="0" smtClean="0">
-                <a:solidFill>
-                  <a:srgbClr val="FF0000"/>
-                </a:solidFill>
-                <a:latin typeface="Oxygen" panose="02000503000000000000" pitchFamily="2" charset="0"/>
-              </a:rPr>
-              <a:t>Best </a:t>
-            </a:r>
+              <a:t>Best Teachers, Best Location, Best Infrastructure</a:t>
+            </a:r>
+            <a:endParaRPr lang="en-US" sz="1100" b="1" dirty="0">
+              <a:latin typeface="Oxygen" panose="02000503000000000000" pitchFamily="2" charset="0"/>
+            </a:endParaRPr>
+          </a:p>
+          <a:p>
+            <a:pPr>
+              <a:lnSpc>
+                <a:spcPct val="150000"/>
+              </a:lnSpc>
+            </a:pPr>
             <a:r>
               <a:rPr lang="en-US" sz="1000" b="1" dirty="0">
                 <a:solidFill>
@@ -6364,60 +6327,8 @@
                 </a:solidFill>
                 <a:latin typeface="Oxygen" panose="02000503000000000000" pitchFamily="2" charset="0"/>
               </a:rPr>
-              <a:t>L</a:t>
-            </a:r>
-            <a:r>
-              <a:rPr lang="en-US" sz="1000" b="1" dirty="0" smtClean="0">
-                <a:solidFill>
-                  <a:srgbClr val="FF0000"/>
-                </a:solidFill>
-                <a:latin typeface="Oxygen" panose="02000503000000000000" pitchFamily="2" charset="0"/>
-              </a:rPr>
-              <a:t>ocation, Best Infrastructure</a:t>
-            </a:r>
-            <a:endParaRPr lang="en-US" sz="1100" b="1" dirty="0">
-              <a:latin typeface="Oxygen" panose="02000503000000000000" pitchFamily="2" charset="0"/>
-            </a:endParaRPr>
-          </a:p>
-          <a:p>
-            <a:pPr>
-              <a:lnSpc>
-                <a:spcPct val="150000"/>
-              </a:lnSpc>
-            </a:pPr>
-            <a:r>
-              <a:rPr lang="en-US" sz="1000" b="1" dirty="0" smtClean="0">
-                <a:solidFill>
-                  <a:srgbClr val="FF0000"/>
-                </a:solidFill>
-                <a:latin typeface="Oxygen" panose="02000503000000000000" pitchFamily="2" charset="0"/>
-              </a:rPr>
-              <a:t>Australian </a:t>
-            </a:r>
-            <a:r>
-              <a:rPr lang="en-US" sz="1000" b="1" dirty="0">
-                <a:solidFill>
-                  <a:srgbClr val="FF0000"/>
-                </a:solidFill>
-                <a:latin typeface="Oxygen" panose="02000503000000000000" pitchFamily="2" charset="0"/>
-              </a:rPr>
-              <a:t>management, App releasing </a:t>
-            </a:r>
-            <a:r>
-              <a:rPr lang="en-US" sz="1000" b="1" dirty="0" smtClean="0">
-                <a:solidFill>
-                  <a:srgbClr val="FF0000"/>
-                </a:solidFill>
-                <a:latin typeface="Oxygen" panose="02000503000000000000" pitchFamily="2" charset="0"/>
-              </a:rPr>
-              <a:t>in 2023</a:t>
-            </a:r>
-            <a:endParaRPr lang="en-US" sz="1000" b="1" dirty="0">
-              <a:solidFill>
-                <a:srgbClr val="FF0000"/>
-              </a:solidFill>
-              <a:latin typeface="Oxygen" panose="02000503000000000000" pitchFamily="2" charset="0"/>
-            </a:endParaRPr>
+              <a:t>Australian management, App releasing in 2023</a:t>
+            </a:r>
           </a:p>
         </p:txBody>
       </p:sp>
@@ -6906,13 +6817,7 @@
               <a:rPr lang="en-US" b="1" dirty="0">
                 <a:latin typeface="Oxygen" panose="02000503000000000000" pitchFamily="2" charset="0"/>
               </a:rPr>
-              <a:t>Phone </a:t>
-            </a:r>
-            <a:r>
-              <a:rPr lang="en-US" b="1" dirty="0" smtClean="0">
-                <a:latin typeface="Oxygen" panose="02000503000000000000" pitchFamily="2" charset="0"/>
-              </a:rPr>
-              <a:t>#</a:t>
+              <a:t>Phone #</a:t>
             </a:r>
           </a:p>
         </p:txBody>
@@ -6927,13 +6832,6 @@
   <p:clrMapOvr>
     <a:masterClrMapping/>
   </p:clrMapOvr>
-  <p:timing>
-    <p:tnLst>
-      <p:par>
-        <p:cTn id="1" dur="indefinite" restart="never" nodeType="tmRoot"/>
-      </p:par>
-    </p:tnLst>
-  </p:timing>
 </p:sld>
 </file>
 

--- a/Offline/BusinessManagement/Marketing/MarketingArtworks/Images&Resources/AnodiamMarketing.pptx
+++ b/Offline/BusinessManagement/Marketing/MarketingArtworks/Images&Resources/AnodiamMarketing.pptx
@@ -244,7 +244,7 @@
           <a:p>
             <a:fld id="{CA6D4F87-9B9E-4A4F-B3AC-3968D7D2EB59}" type="datetimeFigureOut">
               <a:rPr lang="en-AU" smtClean="0"/>
-              <a:t>12/10/2023</a:t>
+              <a:t>6/11/2023</a:t>
             </a:fld>
             <a:endParaRPr lang="en-AU"/>
           </a:p>
@@ -414,7 +414,7 @@
           <a:p>
             <a:fld id="{CA6D4F87-9B9E-4A4F-B3AC-3968D7D2EB59}" type="datetimeFigureOut">
               <a:rPr lang="en-AU" smtClean="0"/>
-              <a:t>12/10/2023</a:t>
+              <a:t>6/11/2023</a:t>
             </a:fld>
             <a:endParaRPr lang="en-AU"/>
           </a:p>
@@ -594,7 +594,7 @@
           <a:p>
             <a:fld id="{CA6D4F87-9B9E-4A4F-B3AC-3968D7D2EB59}" type="datetimeFigureOut">
               <a:rPr lang="en-AU" smtClean="0"/>
-              <a:t>12/10/2023</a:t>
+              <a:t>6/11/2023</a:t>
             </a:fld>
             <a:endParaRPr lang="en-AU"/>
           </a:p>
@@ -764,7 +764,7 @@
           <a:p>
             <a:fld id="{CA6D4F87-9B9E-4A4F-B3AC-3968D7D2EB59}" type="datetimeFigureOut">
               <a:rPr lang="en-AU" smtClean="0"/>
-              <a:t>12/10/2023</a:t>
+              <a:t>6/11/2023</a:t>
             </a:fld>
             <a:endParaRPr lang="en-AU"/>
           </a:p>
@@ -1010,7 +1010,7 @@
           <a:p>
             <a:fld id="{CA6D4F87-9B9E-4A4F-B3AC-3968D7D2EB59}" type="datetimeFigureOut">
               <a:rPr lang="en-AU" smtClean="0"/>
-              <a:t>12/10/2023</a:t>
+              <a:t>6/11/2023</a:t>
             </a:fld>
             <a:endParaRPr lang="en-AU"/>
           </a:p>
@@ -1242,7 +1242,7 @@
           <a:p>
             <a:fld id="{CA6D4F87-9B9E-4A4F-B3AC-3968D7D2EB59}" type="datetimeFigureOut">
               <a:rPr lang="en-AU" smtClean="0"/>
-              <a:t>12/10/2023</a:t>
+              <a:t>6/11/2023</a:t>
             </a:fld>
             <a:endParaRPr lang="en-AU"/>
           </a:p>
@@ -1609,7 +1609,7 @@
           <a:p>
             <a:fld id="{CA6D4F87-9B9E-4A4F-B3AC-3968D7D2EB59}" type="datetimeFigureOut">
               <a:rPr lang="en-AU" smtClean="0"/>
-              <a:t>12/10/2023</a:t>
+              <a:t>6/11/2023</a:t>
             </a:fld>
             <a:endParaRPr lang="en-AU"/>
           </a:p>
@@ -1727,7 +1727,7 @@
           <a:p>
             <a:fld id="{CA6D4F87-9B9E-4A4F-B3AC-3968D7D2EB59}" type="datetimeFigureOut">
               <a:rPr lang="en-AU" smtClean="0"/>
-              <a:t>12/10/2023</a:t>
+              <a:t>6/11/2023</a:t>
             </a:fld>
             <a:endParaRPr lang="en-AU"/>
           </a:p>
@@ -1822,7 +1822,7 @@
           <a:p>
             <a:fld id="{CA6D4F87-9B9E-4A4F-B3AC-3968D7D2EB59}" type="datetimeFigureOut">
               <a:rPr lang="en-AU" smtClean="0"/>
-              <a:t>12/10/2023</a:t>
+              <a:t>6/11/2023</a:t>
             </a:fld>
             <a:endParaRPr lang="en-AU"/>
           </a:p>
@@ -2099,7 +2099,7 @@
           <a:p>
             <a:fld id="{CA6D4F87-9B9E-4A4F-B3AC-3968D7D2EB59}" type="datetimeFigureOut">
               <a:rPr lang="en-AU" smtClean="0"/>
-              <a:t>12/10/2023</a:t>
+              <a:t>6/11/2023</a:t>
             </a:fld>
             <a:endParaRPr lang="en-AU"/>
           </a:p>
@@ -2356,7 +2356,7 @@
           <a:p>
             <a:fld id="{CA6D4F87-9B9E-4A4F-B3AC-3968D7D2EB59}" type="datetimeFigureOut">
               <a:rPr lang="en-AU" smtClean="0"/>
-              <a:t>12/10/2023</a:t>
+              <a:t>6/11/2023</a:t>
             </a:fld>
             <a:endParaRPr lang="en-AU"/>
           </a:p>
@@ -2569,7 +2569,7 @@
           <a:p>
             <a:fld id="{CA6D4F87-9B9E-4A4F-B3AC-3968D7D2EB59}" type="datetimeFigureOut">
               <a:rPr lang="en-AU" smtClean="0"/>
-              <a:t>12/10/2023</a:t>
+              <a:t>6/11/2023</a:t>
             </a:fld>
             <a:endParaRPr lang="en-AU"/>
           </a:p>
@@ -4990,17 +4990,16 @@
         </p:nvSpPr>
         <p:spPr>
           <a:xfrm>
-            <a:off x="700215" y="3521033"/>
-            <a:ext cx="1974421" cy="1764747"/>
+            <a:off x="517953" y="4103077"/>
+            <a:ext cx="2076755" cy="1418814"/>
           </a:xfrm>
           <a:prstGeom prst="roundRect">
             <a:avLst/>
           </a:prstGeom>
+          <a:noFill/>
           <a:ln w="38100">
             <a:solidFill>
-              <a:schemeClr val="accent5">
-                <a:lumMod val="75000"/>
-              </a:schemeClr>
+              <a:schemeClr val="tx1"/>
             </a:solidFill>
           </a:ln>
         </p:spPr>
@@ -5022,33 +5021,43 @@
           <a:bodyPr rtlCol="0" anchor="ctr"/>
           <a:lstStyle/>
           <a:p>
-            <a:pPr algn="ctr"/>
-            <a:r>
-              <a:rPr lang="en-US" sz="4400" b="1" dirty="0">
+            <a:pPr algn="ctr">
+              <a:lnSpc>
+                <a:spcPct val="150000"/>
+              </a:lnSpc>
+            </a:pPr>
+            <a:r>
+              <a:rPr lang="en-US" sz="2000" b="1" dirty="0">
                 <a:latin typeface="Arial Black" panose="020B0A04020102020204" pitchFamily="34" charset="0"/>
               </a:rPr>
-              <a:t>FREE</a:t>
-            </a:r>
-            <a:endParaRPr lang="en-US" sz="3600" b="1" dirty="0">
-              <a:latin typeface="Arial Black" panose="020B0A04020102020204" pitchFamily="34" charset="0"/>
-            </a:endParaRPr>
-          </a:p>
-          <a:p>
-            <a:pPr algn="ctr"/>
-            <a:r>
-              <a:rPr lang="en-US" sz="3600" b="1" dirty="0">
+              <a:t>MOCK TEST</a:t>
+            </a:r>
+          </a:p>
+          <a:p>
+            <a:pPr algn="ctr">
+              <a:lnSpc>
+                <a:spcPct val="150000"/>
+              </a:lnSpc>
+            </a:pPr>
+            <a:r>
+              <a:rPr lang="en-US" sz="1600" b="1" dirty="0">
                 <a:latin typeface="Arial Black" panose="020B0A04020102020204" pitchFamily="34" charset="0"/>
               </a:rPr>
-              <a:t>MOCK</a:t>
-            </a:r>
-          </a:p>
-          <a:p>
-            <a:pPr algn="ctr"/>
-            <a:r>
-              <a:rPr lang="en-US" sz="4100" b="1" dirty="0">
-                <a:latin typeface="Arial Black" panose="020B0A04020102020204" pitchFamily="34" charset="0"/>
+              <a:t>₹200 per paper</a:t>
+            </a:r>
+          </a:p>
+          <a:p>
+            <a:pPr algn="ctr">
+              <a:lnSpc>
+                <a:spcPct val="150000"/>
+              </a:lnSpc>
+            </a:pPr>
+            <a:r>
+              <a:rPr lang="en-US" sz="1900" b="1" dirty="0">
+                <a:effectLst/>
+                <a:latin typeface="arial unicode ms"/>
               </a:rPr>
-              <a:t>TEST</a:t>
+              <a:t>✆ 90737 00094</a:t>
             </a:r>
           </a:p>
         </p:txBody>

--- a/Offline/BusinessManagement/Marketing/MarketingArtworks/Images&Resources/AnodiamMarketing.pptx
+++ b/Offline/BusinessManagement/Marketing/MarketingArtworks/Images&Resources/AnodiamMarketing.pptx
@@ -244,7 +244,7 @@
           <a:p>
             <a:fld id="{CA6D4F87-9B9E-4A4F-B3AC-3968D7D2EB59}" type="datetimeFigureOut">
               <a:rPr lang="en-AU" smtClean="0"/>
-              <a:t>6/11/2023</a:t>
+              <a:t>8/11/2023</a:t>
             </a:fld>
             <a:endParaRPr lang="en-AU"/>
           </a:p>
@@ -414,7 +414,7 @@
           <a:p>
             <a:fld id="{CA6D4F87-9B9E-4A4F-B3AC-3968D7D2EB59}" type="datetimeFigureOut">
               <a:rPr lang="en-AU" smtClean="0"/>
-              <a:t>6/11/2023</a:t>
+              <a:t>8/11/2023</a:t>
             </a:fld>
             <a:endParaRPr lang="en-AU"/>
           </a:p>
@@ -594,7 +594,7 @@
           <a:p>
             <a:fld id="{CA6D4F87-9B9E-4A4F-B3AC-3968D7D2EB59}" type="datetimeFigureOut">
               <a:rPr lang="en-AU" smtClean="0"/>
-              <a:t>6/11/2023</a:t>
+              <a:t>8/11/2023</a:t>
             </a:fld>
             <a:endParaRPr lang="en-AU"/>
           </a:p>
@@ -764,7 +764,7 @@
           <a:p>
             <a:fld id="{CA6D4F87-9B9E-4A4F-B3AC-3968D7D2EB59}" type="datetimeFigureOut">
               <a:rPr lang="en-AU" smtClean="0"/>
-              <a:t>6/11/2023</a:t>
+              <a:t>8/11/2023</a:t>
             </a:fld>
             <a:endParaRPr lang="en-AU"/>
           </a:p>
@@ -1010,7 +1010,7 @@
           <a:p>
             <a:fld id="{CA6D4F87-9B9E-4A4F-B3AC-3968D7D2EB59}" type="datetimeFigureOut">
               <a:rPr lang="en-AU" smtClean="0"/>
-              <a:t>6/11/2023</a:t>
+              <a:t>8/11/2023</a:t>
             </a:fld>
             <a:endParaRPr lang="en-AU"/>
           </a:p>
@@ -1242,7 +1242,7 @@
           <a:p>
             <a:fld id="{CA6D4F87-9B9E-4A4F-B3AC-3968D7D2EB59}" type="datetimeFigureOut">
               <a:rPr lang="en-AU" smtClean="0"/>
-              <a:t>6/11/2023</a:t>
+              <a:t>8/11/2023</a:t>
             </a:fld>
             <a:endParaRPr lang="en-AU"/>
           </a:p>
@@ -1609,7 +1609,7 @@
           <a:p>
             <a:fld id="{CA6D4F87-9B9E-4A4F-B3AC-3968D7D2EB59}" type="datetimeFigureOut">
               <a:rPr lang="en-AU" smtClean="0"/>
-              <a:t>6/11/2023</a:t>
+              <a:t>8/11/2023</a:t>
             </a:fld>
             <a:endParaRPr lang="en-AU"/>
           </a:p>
@@ -1727,7 +1727,7 @@
           <a:p>
             <a:fld id="{CA6D4F87-9B9E-4A4F-B3AC-3968D7D2EB59}" type="datetimeFigureOut">
               <a:rPr lang="en-AU" smtClean="0"/>
-              <a:t>6/11/2023</a:t>
+              <a:t>8/11/2023</a:t>
             </a:fld>
             <a:endParaRPr lang="en-AU"/>
           </a:p>
@@ -1822,7 +1822,7 @@
           <a:p>
             <a:fld id="{CA6D4F87-9B9E-4A4F-B3AC-3968D7D2EB59}" type="datetimeFigureOut">
               <a:rPr lang="en-AU" smtClean="0"/>
-              <a:t>6/11/2023</a:t>
+              <a:t>8/11/2023</a:t>
             </a:fld>
             <a:endParaRPr lang="en-AU"/>
           </a:p>
@@ -2099,7 +2099,7 @@
           <a:p>
             <a:fld id="{CA6D4F87-9B9E-4A4F-B3AC-3968D7D2EB59}" type="datetimeFigureOut">
               <a:rPr lang="en-AU" smtClean="0"/>
-              <a:t>6/11/2023</a:t>
+              <a:t>8/11/2023</a:t>
             </a:fld>
             <a:endParaRPr lang="en-AU"/>
           </a:p>
@@ -2356,7 +2356,7 @@
           <a:p>
             <a:fld id="{CA6D4F87-9B9E-4A4F-B3AC-3968D7D2EB59}" type="datetimeFigureOut">
               <a:rPr lang="en-AU" smtClean="0"/>
-              <a:t>6/11/2023</a:t>
+              <a:t>8/11/2023</a:t>
             </a:fld>
             <a:endParaRPr lang="en-AU"/>
           </a:p>
@@ -2569,7 +2569,7 @@
           <a:p>
             <a:fld id="{CA6D4F87-9B9E-4A4F-B3AC-3968D7D2EB59}" type="datetimeFigureOut">
               <a:rPr lang="en-AU" smtClean="0"/>
-              <a:t>6/11/2023</a:t>
+              <a:t>8/11/2023</a:t>
             </a:fld>
             <a:endParaRPr lang="en-AU"/>
           </a:p>
@@ -4917,7 +4917,7 @@
         </p:nvSpPr>
         <p:spPr>
           <a:xfrm>
-            <a:off x="1870805" y="4403407"/>
+            <a:off x="6318942" y="3646933"/>
             <a:ext cx="7197725" cy="1477328"/>
           </a:xfrm>
           <a:prstGeom prst="rect">
@@ -4990,8 +4990,8 @@
         </p:nvSpPr>
         <p:spPr>
           <a:xfrm>
-            <a:off x="517953" y="4103077"/>
-            <a:ext cx="2076755" cy="1418814"/>
+            <a:off x="374942" y="3606513"/>
+            <a:ext cx="3460878" cy="1997223"/>
           </a:xfrm>
           <a:prstGeom prst="roundRect">
             <a:avLst/>
@@ -5027,16 +5027,36 @@
               </a:lnSpc>
             </a:pPr>
             <a:r>
-              <a:rPr lang="en-US" sz="2000" b="1" dirty="0">
+              <a:rPr lang="en-US" sz="3200" b="1" dirty="0">
                 <a:latin typeface="Arial Black" panose="020B0A04020102020204" pitchFamily="34" charset="0"/>
               </a:rPr>
               <a:t>MOCK TEST</a:t>
             </a:r>
           </a:p>
           <a:p>
+            <a:pPr algn="ctr"/>
+            <a:r>
+              <a:rPr lang="en-US" b="1" dirty="0">
+                <a:latin typeface="Oxygen" panose="02000503000000000000" pitchFamily="2" charset="0"/>
+                <a:cs typeface="Arial" panose="020B0604020202020204" pitchFamily="34" charset="0"/>
+              </a:rPr>
+              <a:t>Register at:</a:t>
+            </a:r>
+          </a:p>
+          <a:p>
+            <a:pPr algn="ctr"/>
+            <a:r>
+              <a:rPr lang="en-US" b="1" dirty="0">
+                <a:latin typeface="Oxygen" panose="02000503000000000000" pitchFamily="2" charset="0"/>
+                <a:cs typeface="Arial" panose="020B0604020202020204" pitchFamily="34" charset="0"/>
+              </a:rPr>
+              <a:t>anodiam.theonlinetests.com</a:t>
+            </a:r>
+          </a:p>
+          <a:p>
             <a:pPr algn="ctr">
               <a:lnSpc>
-                <a:spcPct val="150000"/>
+                <a:spcPct val="200000"/>
               </a:lnSpc>
             </a:pPr>
             <a:r>
@@ -5044,20 +5064,6 @@
                 <a:latin typeface="Arial Black" panose="020B0A04020102020204" pitchFamily="34" charset="0"/>
               </a:rPr>
               <a:t>₹200 per paper</a:t>
-            </a:r>
-          </a:p>
-          <a:p>
-            <a:pPr algn="ctr">
-              <a:lnSpc>
-                <a:spcPct val="150000"/>
-              </a:lnSpc>
-            </a:pPr>
-            <a:r>
-              <a:rPr lang="en-US" sz="1900" b="1" dirty="0">
-                <a:effectLst/>
-                <a:latin typeface="arial unicode ms"/>
-              </a:rPr>
-              <a:t>✆ 90737 00094</a:t>
             </a:r>
           </a:p>
         </p:txBody>
